--- a/PowerPoint/機能モデル.pptx
+++ b/PowerPoint/機能モデル.pptx
@@ -3304,7 +3304,7 @@
         </p:nvCxnSpPr>
         <p:spPr>
           <a:xfrm>
-            <a:off x="6711332" y="720977"/>
+            <a:off x="6712849" y="739552"/>
             <a:ext cx="0" cy="5735788"/>
           </a:xfrm>
           <a:prstGeom prst="line">
@@ -3341,7 +3341,7 @@
         </p:nvSpPr>
         <p:spPr>
           <a:xfrm>
-            <a:off x="6749329" y="4512568"/>
+            <a:off x="6751571" y="4573376"/>
             <a:ext cx="2033121" cy="338554"/>
           </a:xfrm>
           <a:prstGeom prst="rect">
@@ -3469,7 +3469,7 @@
         </p:nvSpPr>
         <p:spPr>
           <a:xfrm>
-            <a:off x="6747542" y="4817150"/>
+            <a:off x="6782844" y="4879180"/>
             <a:ext cx="5956921" cy="415498"/>
           </a:xfrm>
           <a:prstGeom prst="rect">
@@ -3514,71 +3514,7 @@
                 <a:latin typeface="メイリオ" panose="020B0604030504040204" pitchFamily="50" charset="-128"/>
                 <a:ea typeface="メイリオ" panose="020B0604030504040204" pitchFamily="50" charset="-128"/>
               </a:rPr>
-              <a:t>走行体が提供する機能を実現</a:t>
-            </a:r>
-            <a:r>
-              <a:rPr kumimoji="1" lang="ja-JP" altLang="en-US" sz="1050" b="0" i="0" u="none" strike="noStrike" kern="1200" cap="none" spc="0" normalizeH="0" baseline="0" noProof="0">
-                <a:ln>
-                  <a:noFill/>
-                </a:ln>
-                <a:solidFill>
-                  <a:prstClr val="black"/>
-                </a:solidFill>
-                <a:effectLst/>
-                <a:uLnTx/>
-                <a:uFillTx/>
-                <a:latin typeface="メイリオ" panose="020B0604030504040204" pitchFamily="50" charset="-128"/>
-                <a:ea typeface="メイリオ" panose="020B0604030504040204" pitchFamily="50" charset="-128"/>
-              </a:rPr>
-              <a:t>するため，以下</a:t>
-            </a:r>
-            <a:r>
-              <a:rPr kumimoji="1" lang="ja-JP" altLang="en-US" sz="1050" b="0" i="0" u="none" strike="noStrike" kern="1200" cap="none" spc="0" normalizeH="0" baseline="0" noProof="0" dirty="0">
-                <a:ln>
-                  <a:noFill/>
-                </a:ln>
-                <a:solidFill>
-                  <a:prstClr val="black"/>
-                </a:solidFill>
-                <a:effectLst/>
-                <a:uLnTx/>
-                <a:uFillTx/>
-                <a:latin typeface="メイリオ" panose="020B0604030504040204" pitchFamily="50" charset="-128"/>
-                <a:ea typeface="メイリオ" panose="020B0604030504040204" pitchFamily="50" charset="-128"/>
-              </a:rPr>
-              <a:t>の周期タスクを</a:t>
-            </a:r>
-            <a:r>
-              <a:rPr kumimoji="1" lang="ja-JP" altLang="en-US" sz="1050" b="0" i="0" u="none" strike="noStrike" kern="1200" cap="none" spc="0" normalizeH="0" baseline="0" noProof="0">
-                <a:ln>
-                  <a:noFill/>
-                </a:ln>
-                <a:solidFill>
-                  <a:prstClr val="black"/>
-                </a:solidFill>
-                <a:effectLst/>
-                <a:uLnTx/>
-                <a:uFillTx/>
-                <a:latin typeface="メイリオ" panose="020B0604030504040204" pitchFamily="50" charset="-128"/>
-                <a:ea typeface="メイリオ" panose="020B0604030504040204" pitchFamily="50" charset="-128"/>
-              </a:rPr>
-              <a:t>定義する．なお，</a:t>
-            </a:r>
-            <a:r>
-              <a:rPr kumimoji="1" lang="ja-JP" altLang="en-US" sz="1050" b="1" i="0" u="none" strike="noStrike" kern="1200" cap="none" spc="0" normalizeH="0" baseline="0" noProof="0">
-                <a:ln>
-                  <a:noFill/>
-                </a:ln>
-                <a:solidFill>
-                  <a:srgbClr val="FF0000"/>
-                </a:solidFill>
-                <a:effectLst/>
-                <a:uLnTx/>
-                <a:uFillTx/>
-                <a:latin typeface="メイリオ" panose="020B0604030504040204" pitchFamily="50" charset="-128"/>
-                <a:ea typeface="メイリオ" panose="020B0604030504040204" pitchFamily="50" charset="-128"/>
-              </a:rPr>
-              <a:t>通信</a:t>
+              <a:t>走行体が提供する機能を実現するため，以下の周期タスクを定義する．なお，</a:t>
             </a:r>
             <a:r>
               <a:rPr kumimoji="1" lang="ja-JP" altLang="en-US" sz="1050" b="1" i="0" u="none" strike="noStrike" kern="1200" cap="none" spc="0" normalizeH="0" baseline="0" noProof="0" dirty="0">
@@ -3594,33 +3530,7 @@
                 <a:latin typeface="メイリオ" panose="020B0604030504040204" pitchFamily="50" charset="-128"/>
                 <a:ea typeface="メイリオ" panose="020B0604030504040204" pitchFamily="50" charset="-128"/>
               </a:rPr>
-              <a:t>管理タスクと尻尾管理タスクは走行準備に</a:t>
-            </a:r>
-            <a:r>
-              <a:rPr kumimoji="1" lang="ja-JP" altLang="en-US" sz="1050" b="1" i="0" u="none" strike="noStrike" kern="1200" cap="none" spc="0" normalizeH="0" baseline="0" noProof="0">
-                <a:ln>
-                  <a:noFill/>
-                </a:ln>
-                <a:solidFill>
-                  <a:srgbClr val="FF0000"/>
-                </a:solidFill>
-                <a:effectLst/>
-                <a:uLnTx/>
-                <a:uFillTx/>
-                <a:latin typeface="メイリオ" panose="020B0604030504040204" pitchFamily="50" charset="-128"/>
-                <a:ea typeface="メイリオ" panose="020B0604030504040204" pitchFamily="50" charset="-128"/>
-              </a:rPr>
-              <a:t>含む</a:t>
-            </a:r>
-            <a:r>
-              <a:rPr lang="ja-JP" altLang="en-US" sz="1050" b="1">
-                <a:solidFill>
-                  <a:srgbClr val="FF0000"/>
-                </a:solidFill>
-                <a:latin typeface="メイリオ" panose="020B0604030504040204" pitchFamily="50" charset="-128"/>
-                <a:ea typeface="メイリオ" panose="020B0604030504040204" pitchFamily="50" charset="-128"/>
-              </a:rPr>
-              <a:t>ため，本モデル</a:t>
+              <a:t>通信管理タスクと尻尾管理タスクは走行準備に含む</a:t>
             </a:r>
             <a:r>
               <a:rPr lang="ja-JP" altLang="en-US" sz="1050" b="1" dirty="0">
@@ -3630,20 +3540,10 @@
                 <a:latin typeface="メイリオ" panose="020B0604030504040204" pitchFamily="50" charset="-128"/>
                 <a:ea typeface="メイリオ" panose="020B0604030504040204" pitchFamily="50" charset="-128"/>
               </a:rPr>
-              <a:t>では</a:t>
+              <a:t>ため，本モデルでは省略する</a:t>
             </a:r>
             <a:r>
-              <a:rPr lang="ja-JP" altLang="en-US" sz="1050" b="1">
-                <a:solidFill>
-                  <a:srgbClr val="FF0000"/>
-                </a:solidFill>
-                <a:latin typeface="メイリオ" panose="020B0604030504040204" pitchFamily="50" charset="-128"/>
-                <a:ea typeface="メイリオ" panose="020B0604030504040204" pitchFamily="50" charset="-128"/>
-              </a:rPr>
-              <a:t>省略する</a:t>
-            </a:r>
-            <a:r>
-              <a:rPr kumimoji="1" lang="ja-JP" altLang="en-US" sz="1050" b="0" i="0" u="none" strike="noStrike" kern="1200" cap="none" spc="0" normalizeH="0" baseline="0" noProof="0">
+              <a:rPr kumimoji="1" lang="ja-JP" altLang="en-US" sz="1050" b="0" i="0" u="none" strike="noStrike" kern="1200" cap="none" spc="0" normalizeH="0" baseline="0" noProof="0" dirty="0" err="1">
                 <a:ln>
                   <a:noFill/>
                 </a:ln>
@@ -4380,7 +4280,7 @@
         </p:nvCxnSpPr>
         <p:spPr>
           <a:xfrm>
-            <a:off x="6823501" y="4800600"/>
+            <a:off x="6815663" y="4879180"/>
             <a:ext cx="5805002" cy="0"/>
           </a:xfrm>
           <a:prstGeom prst="line">
@@ -4421,8 +4321,8 @@
         </p:nvSpPr>
         <p:spPr>
           <a:xfrm>
-            <a:off x="6724671" y="984176"/>
-            <a:ext cx="5941427" cy="415498"/>
+            <a:off x="6724672" y="984176"/>
+            <a:ext cx="3348536" cy="253916"/>
           </a:xfrm>
           <a:prstGeom prst="rect">
             <a:avLst/>
@@ -4440,56 +4340,8 @@
                 <a:latin typeface="メイリオ" panose="020B0604030504040204" pitchFamily="50" charset="-128"/>
                 <a:ea typeface="メイリオ" panose="020B0604030504040204" pitchFamily="50" charset="-128"/>
               </a:rPr>
-              <a:t>機能を実現するために必要な部品を以下の表</a:t>
+              <a:t>機能を実現するために必要な部品を以下の表に示す．</a:t>
             </a:r>
-            <a:r>
-              <a:rPr kumimoji="1" lang="ja-JP" altLang="en-US" sz="1050">
-                <a:latin typeface="メイリオ" panose="020B0604030504040204" pitchFamily="50" charset="-128"/>
-                <a:ea typeface="メイリオ" panose="020B0604030504040204" pitchFamily="50" charset="-128"/>
-              </a:rPr>
-              <a:t>に示す．なお，</a:t>
-            </a:r>
-            <a:r>
-              <a:rPr kumimoji="1" lang="ja-JP" altLang="en-US" sz="1050" b="1">
-                <a:solidFill>
-                  <a:srgbClr val="FF0000"/>
-                </a:solidFill>
-                <a:latin typeface="メイリオ" panose="020B0604030504040204" pitchFamily="50" charset="-128"/>
-                <a:ea typeface="メイリオ" panose="020B0604030504040204" pitchFamily="50" charset="-128"/>
-              </a:rPr>
-              <a:t>左側</a:t>
-            </a:r>
-            <a:r>
-              <a:rPr kumimoji="1" lang="ja-JP" altLang="en-US" sz="1050" b="1" dirty="0">
-                <a:solidFill>
-                  <a:srgbClr val="FF0000"/>
-                </a:solidFill>
-                <a:latin typeface="メイリオ" panose="020B0604030504040204" pitchFamily="50" charset="-128"/>
-                <a:ea typeface="メイリオ" panose="020B0604030504040204" pitchFamily="50" charset="-128"/>
-              </a:rPr>
-              <a:t>のアルファベットはクラス図のラベルと対応</a:t>
-            </a:r>
-            <a:r>
-              <a:rPr kumimoji="1" lang="ja-JP" altLang="en-US" sz="1050" b="1">
-                <a:solidFill>
-                  <a:srgbClr val="FF0000"/>
-                </a:solidFill>
-                <a:latin typeface="メイリオ" panose="020B0604030504040204" pitchFamily="50" charset="-128"/>
-                <a:ea typeface="メイリオ" panose="020B0604030504040204" pitchFamily="50" charset="-128"/>
-              </a:rPr>
-              <a:t>している</a:t>
-            </a:r>
-            <a:r>
-              <a:rPr kumimoji="1" lang="ja-JP" altLang="en-US" sz="1050">
-                <a:latin typeface="メイリオ" panose="020B0604030504040204" pitchFamily="50" charset="-128"/>
-                <a:ea typeface="メイリオ" panose="020B0604030504040204" pitchFamily="50" charset="-128"/>
-              </a:rPr>
-              <a:t>．</a:t>
-            </a:r>
-            <a:endParaRPr kumimoji="1" lang="ja-JP" altLang="en-US" sz="1050" dirty="0">
-              <a:latin typeface="メイリオ" panose="020B0604030504040204" pitchFamily="50" charset="-128"/>
-              <a:ea typeface="メイリオ" panose="020B0604030504040204" pitchFamily="50" charset="-128"/>
-            </a:endParaRPr>
           </a:p>
         </p:txBody>
       </p:sp>
@@ -4876,14 +4728,14 @@
           <p:nvPr>
             <p:extLst>
               <p:ext uri="{D42A27DB-BD31-4B8C-83A1-F6EECF244321}">
-                <p14:modId xmlns:p14="http://schemas.microsoft.com/office/powerpoint/2010/main" val="3855399361"/>
+                <p14:modId xmlns:p14="http://schemas.microsoft.com/office/powerpoint/2010/main" val="214413011"/>
               </p:ext>
             </p:extLst>
           </p:nvPr>
         </p:nvGraphicFramePr>
         <p:xfrm>
           <a:off x="186655" y="3432448"/>
-          <a:ext cx="3693865" cy="3063240"/>
+          <a:ext cx="3693865" cy="2903220"/>
         </p:xfrm>
         <a:graphic>
           <a:graphicData uri="http://schemas.openxmlformats.org/drawingml/2006/table">
@@ -5199,7 +5051,7 @@
                   </a:ext>
                 </a:extLst>
               </a:tr>
-              <a:tr h="720000">
+              <a:tr h="528032">
                 <a:tc>
                   <a:txBody>
                     <a:bodyPr/>
@@ -5222,22 +5074,15 @@
                     <a:bodyPr/>
                     <a:lstStyle/>
                     <a:p>
-                      <a:pPr marL="0" indent="0">
-                        <a:buNone/>
+                      <a:pPr marL="228600" indent="-228600">
+                        <a:buAutoNum type="arabicPeriod"/>
                       </a:pPr>
                       <a:r>
-                        <a:rPr kumimoji="1" lang="en-US" altLang="ja-JP" sz="1050" dirty="0">
-                          <a:latin typeface="メイリオ" panose="020B0604030504040204" pitchFamily="50" charset="-128"/>
-                          <a:ea typeface="メイリオ" panose="020B0604030504040204" pitchFamily="50" charset="-128"/>
-                        </a:rPr>
-                        <a:t>1. </a:t>
-                      </a:r>
-                      <a:r>
                         <a:rPr kumimoji="1" lang="ja-JP" altLang="en-US" sz="1050" dirty="0">
                           <a:latin typeface="メイリオ" panose="020B0604030504040204" pitchFamily="50" charset="-128"/>
                           <a:ea typeface="メイリオ" panose="020B0604030504040204" pitchFamily="50" charset="-128"/>
                         </a:rPr>
-                        <a:t>走行体情報を取得する</a:t>
+                        <a:t>区間管理をする</a:t>
                       </a:r>
                       <a:endParaRPr kumimoji="1" lang="en-US" altLang="ja-JP" sz="1050" dirty="0">
                         <a:latin typeface="メイリオ" panose="020B0604030504040204" pitchFamily="50" charset="-128"/>
@@ -5257,7 +5102,7 @@
                           <a:latin typeface="メイリオ" panose="020B0604030504040204" pitchFamily="50" charset="-128"/>
                           <a:ea typeface="メイリオ" panose="020B0604030504040204" pitchFamily="50" charset="-128"/>
                         </a:rPr>
-                        <a:t>区間終了判定をする</a:t>
+                        <a:t>走行制御をする</a:t>
                       </a:r>
                       <a:endParaRPr kumimoji="1" lang="en-US" altLang="ja-JP" sz="1050" dirty="0">
                         <a:latin typeface="メイリオ" panose="020B0604030504040204" pitchFamily="50" charset="-128"/>
@@ -5277,34 +5122,14 @@
                           <a:latin typeface="メイリオ" panose="020B0604030504040204" pitchFamily="50" charset="-128"/>
                           <a:ea typeface="メイリオ" panose="020B0604030504040204" pitchFamily="50" charset="-128"/>
                         </a:rPr>
-                        <a:t>走行制御をする</a:t>
-                      </a:r>
-                      <a:endParaRPr kumimoji="1" lang="en-US" altLang="ja-JP" sz="1050" dirty="0">
-                        <a:latin typeface="メイリオ" panose="020B0604030504040204" pitchFamily="50" charset="-128"/>
-                        <a:ea typeface="メイリオ" panose="020B0604030504040204" pitchFamily="50" charset="-128"/>
-                      </a:endParaRPr>
-                    </a:p>
-                    <a:p>
+                        <a:t>基本系列</a:t>
+                      </a:r>
                       <a:r>
                         <a:rPr kumimoji="1" lang="en-US" altLang="ja-JP" sz="1050" dirty="0">
                           <a:latin typeface="メイリオ" panose="020B0604030504040204" pitchFamily="50" charset="-128"/>
                           <a:ea typeface="メイリオ" panose="020B0604030504040204" pitchFamily="50" charset="-128"/>
                         </a:rPr>
-                        <a:t>4. </a:t>
-                      </a:r>
-                      <a:r>
-                        <a:rPr kumimoji="1" lang="ja-JP" altLang="en-US" sz="1050" dirty="0">
-                          <a:latin typeface="メイリオ" panose="020B0604030504040204" pitchFamily="50" charset="-128"/>
-                          <a:ea typeface="メイリオ" panose="020B0604030504040204" pitchFamily="50" charset="-128"/>
-                        </a:rPr>
-                        <a:t>基本系列</a:t>
-                      </a:r>
-                      <a:r>
-                        <a:rPr kumimoji="1" lang="en-US" altLang="ja-JP" sz="1050" dirty="0">
-                          <a:latin typeface="メイリオ" panose="020B0604030504040204" pitchFamily="50" charset="-128"/>
-                          <a:ea typeface="メイリオ" panose="020B0604030504040204" pitchFamily="50" charset="-128"/>
-                        </a:rPr>
-                        <a:t>1~3</a:t>
+                        <a:t>1~2</a:t>
                       </a:r>
                       <a:r>
                         <a:rPr kumimoji="1" lang="ja-JP" altLang="en-US" sz="1050" dirty="0">
@@ -5401,13 +5226,13 @@
           <p:nvPr>
             <p:extLst>
               <p:ext uri="{D42A27DB-BD31-4B8C-83A1-F6EECF244321}">
-                <p14:modId xmlns:p14="http://schemas.microsoft.com/office/powerpoint/2010/main" val="2381510244"/>
+                <p14:modId xmlns:p14="http://schemas.microsoft.com/office/powerpoint/2010/main" val="3762520362"/>
               </p:ext>
             </p:extLst>
           </p:nvPr>
         </p:nvGraphicFramePr>
         <p:xfrm>
-          <a:off x="7058240" y="5199484"/>
+          <a:off x="7036360" y="5238789"/>
           <a:ext cx="4942697" cy="1257300"/>
         </p:xfrm>
         <a:graphic>
@@ -5792,14 +5617,14 @@
           <p:nvPr>
             <p:extLst>
               <p:ext uri="{D42A27DB-BD31-4B8C-83A1-F6EECF244321}">
-                <p14:modId xmlns:p14="http://schemas.microsoft.com/office/powerpoint/2010/main" val="2069542137"/>
+                <p14:modId xmlns:p14="http://schemas.microsoft.com/office/powerpoint/2010/main" val="852121653"/>
               </p:ext>
             </p:extLst>
           </p:nvPr>
         </p:nvGraphicFramePr>
         <p:xfrm>
-          <a:off x="7070967" y="1339280"/>
-          <a:ext cx="5492188" cy="3183480"/>
+          <a:off x="7155012" y="1166699"/>
+          <a:ext cx="5492188" cy="3434940"/>
         </p:xfrm>
         <a:graphic>
           <a:graphicData uri="http://schemas.openxmlformats.org/drawingml/2006/table">
@@ -5883,16 +5708,55 @@
                     <a:p>
                       <a:pPr algn="l"/>
                       <a:r>
-                        <a:rPr kumimoji="1" lang="ja-JP" altLang="en-US" sz="1050">
+                        <a:rPr kumimoji="1" lang="ja-JP" altLang="en-US" sz="1050" dirty="0">
                           <a:latin typeface="メイリオ" panose="020B0604030504040204" pitchFamily="50" charset="-128"/>
                           <a:ea typeface="メイリオ" panose="020B0604030504040204" pitchFamily="50" charset="-128"/>
                         </a:rPr>
                         <a:t>走行体，競技管理</a:t>
                       </a:r>
-                      <a:endParaRPr kumimoji="1" lang="ja-JP" altLang="en-US" sz="1050" dirty="0">
+                    </a:p>
+                  </a:txBody>
+                  <a:tcPr anchor="ctr"/>
+                </a:tc>
+                <a:extLst>
+                  <a:ext uri="{0D108BD9-81ED-4DB2-BD59-A6C34878D82A}">
+                    <a16:rowId xmlns:a16="http://schemas.microsoft.com/office/drawing/2014/main" val="1637833113"/>
+                  </a:ext>
+                </a:extLst>
+              </a:tr>
+              <a:tr h="179264">
+                <a:tc>
+                  <a:txBody>
+                    <a:bodyPr/>
+                    <a:lstStyle/>
+                    <a:p>
+                      <a:r>
+                        <a:rPr lang="ja-JP" altLang="en-US" sz="1050" dirty="0">
+                          <a:latin typeface="メイリオ" panose="020B0604030504040204" pitchFamily="50" charset="-128"/>
+                          <a:ea typeface="メイリオ" panose="020B0604030504040204" pitchFamily="50" charset="-128"/>
+                        </a:rPr>
+                        <a:t>区間管理をする</a:t>
+                      </a:r>
+                      <a:endParaRPr lang="en-US" altLang="ja-JP" sz="1050" dirty="0">
                         <a:latin typeface="メイリオ" panose="020B0604030504040204" pitchFamily="50" charset="-128"/>
                         <a:ea typeface="メイリオ" panose="020B0604030504040204" pitchFamily="50" charset="-128"/>
                       </a:endParaRPr>
+                    </a:p>
+                  </a:txBody>
+                  <a:tcPr anchor="ctr"/>
+                </a:tc>
+                <a:tc>
+                  <a:txBody>
+                    <a:bodyPr/>
+                    <a:lstStyle/>
+                    <a:p>
+                      <a:r>
+                        <a:rPr lang="ja-JP" altLang="en-US" sz="1050" dirty="0">
+                          <a:latin typeface="メイリオ" panose="020B0604030504040204" pitchFamily="50" charset="-128"/>
+                          <a:ea typeface="メイリオ" panose="020B0604030504040204" pitchFamily="50" charset="-128"/>
+                        </a:rPr>
+                        <a:t>区間管理</a:t>
+                      </a:r>
                     </a:p>
                   </a:txBody>
                   <a:tcPr anchor="ctr"/>
@@ -5926,18 +5790,11 @@
                     <a:lstStyle/>
                     <a:p>
                       <a:r>
-                        <a:rPr kumimoji="1" lang="ja-JP" altLang="en-US" sz="1050">
-                          <a:latin typeface="メイリオ" panose="020B0604030504040204" pitchFamily="50" charset="-128"/>
-                          <a:ea typeface="メイリオ" panose="020B0604030504040204" pitchFamily="50" charset="-128"/>
-                        </a:rPr>
-                        <a:t>ライントレーサ用計器，区間管理用計器，走行距離計，輝度偏差計測計，電圧計，角</a:t>
-                      </a:r>
-                      <a:r>
                         <a:rPr kumimoji="1" lang="ja-JP" altLang="en-US" sz="1050" dirty="0">
                           <a:latin typeface="メイリオ" panose="020B0604030504040204" pitchFamily="50" charset="-128"/>
                           <a:ea typeface="メイリオ" panose="020B0604030504040204" pitchFamily="50" charset="-128"/>
                         </a:rPr>
-                        <a:t>速度計</a:t>
+                        <a:t>ライントレーサ用計器，区間管理用計器，モータ、カラーセンサ、ジャイロセンサ、バッテリ</a:t>
                       </a:r>
                     </a:p>
                   </a:txBody>
@@ -5989,18 +5846,11 @@
                         <a:defRPr/>
                       </a:pPr>
                       <a:r>
-                        <a:rPr kumimoji="1" lang="ja-JP" altLang="en-US" sz="1050">
-                          <a:latin typeface="メイリオ" panose="020B0604030504040204" pitchFamily="50" charset="-128"/>
-                          <a:ea typeface="メイリオ" panose="020B0604030504040204" pitchFamily="50" charset="-128"/>
-                        </a:rPr>
-                        <a:t>区間トレーサ，区間</a:t>
-                      </a:r>
-                      <a:r>
                         <a:rPr kumimoji="1" lang="ja-JP" altLang="en-US" sz="1050" dirty="0">
                           <a:latin typeface="メイリオ" panose="020B0604030504040204" pitchFamily="50" charset="-128"/>
                           <a:ea typeface="メイリオ" panose="020B0604030504040204" pitchFamily="50" charset="-128"/>
                         </a:rPr>
-                        <a:t>パラメータリスト</a:t>
+                        <a:t>区間管理</a:t>
                       </a:r>
                     </a:p>
                   </a:txBody>
@@ -6052,18 +5902,11 @@
                         <a:defRPr/>
                       </a:pPr>
                       <a:r>
-                        <a:rPr kumimoji="1" lang="ja-JP" altLang="en-US" sz="1050">
-                          <a:latin typeface="メイリオ" panose="020B0604030504040204" pitchFamily="50" charset="-128"/>
-                          <a:ea typeface="メイリオ" panose="020B0604030504040204" pitchFamily="50" charset="-128"/>
-                        </a:rPr>
-                        <a:t>区間トレーサ，区間</a:t>
-                      </a:r>
-                      <a:r>
                         <a:rPr kumimoji="1" lang="ja-JP" altLang="en-US" sz="1050" dirty="0">
                           <a:latin typeface="メイリオ" panose="020B0604030504040204" pitchFamily="50" charset="-128"/>
                           <a:ea typeface="メイリオ" panose="020B0604030504040204" pitchFamily="50" charset="-128"/>
                         </a:rPr>
-                        <a:t>パラメータリスト</a:t>
+                        <a:t>区間管理</a:t>
                       </a:r>
                     </a:p>
                   </a:txBody>
@@ -6098,18 +5941,11 @@
                     <a:lstStyle/>
                     <a:p>
                       <a:r>
-                        <a:rPr kumimoji="1" lang="ja-JP" altLang="en-US" sz="1050">
-                          <a:latin typeface="メイリオ" panose="020B0604030504040204" pitchFamily="50" charset="-128"/>
-                          <a:ea typeface="メイリオ" panose="020B0604030504040204" pitchFamily="50" charset="-128"/>
-                        </a:rPr>
-                        <a:t>区間トレーサ，区間</a:t>
-                      </a:r>
-                      <a:r>
                         <a:rPr kumimoji="1" lang="ja-JP" altLang="en-US" sz="1050" dirty="0">
                           <a:latin typeface="メイリオ" panose="020B0604030504040204" pitchFamily="50" charset="-128"/>
                           <a:ea typeface="メイリオ" panose="020B0604030504040204" pitchFamily="50" charset="-128"/>
                         </a:rPr>
-                        <a:t>パラメータリスト</a:t>
+                        <a:t>区間管理</a:t>
                       </a:r>
                     </a:p>
                   </a:txBody>
@@ -6132,6 +5968,45 @@
                           <a:latin typeface="メイリオ" panose="020B0604030504040204" pitchFamily="50" charset="-128"/>
                           <a:ea typeface="メイリオ" panose="020B0604030504040204" pitchFamily="50" charset="-128"/>
                         </a:rPr>
+                        <a:t>走行制御をする</a:t>
+                      </a:r>
+                    </a:p>
+                  </a:txBody>
+                  <a:tcPr anchor="ctr"/>
+                </a:tc>
+                <a:tc>
+                  <a:txBody>
+                    <a:bodyPr/>
+                    <a:lstStyle/>
+                    <a:p>
+                      <a:r>
+                        <a:rPr kumimoji="1" lang="ja-JP" altLang="en-US" sz="1050" dirty="0">
+                          <a:latin typeface="メイリオ" panose="020B0604030504040204" pitchFamily="50" charset="-128"/>
+                          <a:ea typeface="メイリオ" panose="020B0604030504040204" pitchFamily="50" charset="-128"/>
+                        </a:rPr>
+                        <a:t>ライントレーサ、倒立走行</a:t>
+                      </a:r>
+                    </a:p>
+                  </a:txBody>
+                  <a:tcPr anchor="ctr"/>
+                </a:tc>
+                <a:extLst>
+                  <a:ext uri="{0D108BD9-81ED-4DB2-BD59-A6C34878D82A}">
+                    <a16:rowId xmlns:a16="http://schemas.microsoft.com/office/drawing/2014/main" val="462400324"/>
+                  </a:ext>
+                </a:extLst>
+              </a:tr>
+              <a:tr h="252000">
+                <a:tc>
+                  <a:txBody>
+                    <a:bodyPr/>
+                    <a:lstStyle/>
+                    <a:p>
+                      <a:r>
+                        <a:rPr kumimoji="1" lang="ja-JP" altLang="en-US" sz="1050" dirty="0">
+                          <a:latin typeface="メイリオ" panose="020B0604030504040204" pitchFamily="50" charset="-128"/>
+                          <a:ea typeface="メイリオ" panose="020B0604030504040204" pitchFamily="50" charset="-128"/>
+                        </a:rPr>
                         <a:t>旋回量を計算する</a:t>
                       </a:r>
                     </a:p>
@@ -6217,7 +6092,7 @@
                           <a:latin typeface="メイリオ" panose="020B0604030504040204" pitchFamily="50" charset="-128"/>
                           <a:ea typeface="メイリオ" panose="020B0604030504040204" pitchFamily="50" charset="-128"/>
                         </a:rPr>
-                        <a:t>左モータを駆動する</a:t>
+                        <a:t>モータを駆動する</a:t>
                       </a:r>
                     </a:p>
                   </a:txBody>
@@ -6233,8 +6108,12 @@
                           <a:latin typeface="メイリオ" panose="020B0604030504040204" pitchFamily="50" charset="-128"/>
                           <a:ea typeface="メイリオ" panose="020B0604030504040204" pitchFamily="50" charset="-128"/>
                         </a:rPr>
-                        <a:t>左モータ</a:t>
-                      </a:r>
+                        <a:t>ライントレーサ、左モータ、右モータ</a:t>
+                      </a:r>
+                      <a:endParaRPr kumimoji="1" lang="en-US" altLang="ja-JP" sz="1050" dirty="0">
+                        <a:latin typeface="メイリオ" panose="020B0604030504040204" pitchFamily="50" charset="-128"/>
+                        <a:ea typeface="メイリオ" panose="020B0604030504040204" pitchFamily="50" charset="-128"/>
+                      </a:endParaRPr>
                     </a:p>
                   </a:txBody>
                   <a:tcPr anchor="ctr"/>
@@ -6242,45 +6121,6 @@
                 <a:extLst>
                   <a:ext uri="{0D108BD9-81ED-4DB2-BD59-A6C34878D82A}">
                     <a16:rowId xmlns:a16="http://schemas.microsoft.com/office/drawing/2014/main" val="2087341186"/>
-                  </a:ext>
-                </a:extLst>
-              </a:tr>
-              <a:tr h="252000">
-                <a:tc>
-                  <a:txBody>
-                    <a:bodyPr/>
-                    <a:lstStyle/>
-                    <a:p>
-                      <a:r>
-                        <a:rPr kumimoji="1" lang="ja-JP" altLang="en-US" sz="1050" dirty="0">
-                          <a:latin typeface="メイリオ" panose="020B0604030504040204" pitchFamily="50" charset="-128"/>
-                          <a:ea typeface="メイリオ" panose="020B0604030504040204" pitchFamily="50" charset="-128"/>
-                        </a:rPr>
-                        <a:t>右モータを駆動する</a:t>
-                      </a:r>
-                    </a:p>
-                  </a:txBody>
-                  <a:tcPr anchor="ctr"/>
-                </a:tc>
-                <a:tc>
-                  <a:txBody>
-                    <a:bodyPr/>
-                    <a:lstStyle/>
-                    <a:p>
-                      <a:r>
-                        <a:rPr kumimoji="1" lang="ja-JP" altLang="en-US" sz="1050" dirty="0">
-                          <a:latin typeface="メイリオ" panose="020B0604030504040204" pitchFamily="50" charset="-128"/>
-                          <a:ea typeface="メイリオ" panose="020B0604030504040204" pitchFamily="50" charset="-128"/>
-                        </a:rPr>
-                        <a:t>右モータ</a:t>
-                      </a:r>
-                    </a:p>
-                  </a:txBody>
-                  <a:tcPr anchor="ctr"/>
-                </a:tc>
-                <a:extLst>
-                  <a:ext uri="{0D108BD9-81ED-4DB2-BD59-A6C34878D82A}">
-                    <a16:rowId xmlns:a16="http://schemas.microsoft.com/office/drawing/2014/main" val="2309248158"/>
                   </a:ext>
                 </a:extLst>
               </a:tr>
@@ -6385,14 +6225,14 @@
           <p:nvPr>
             <p:extLst>
               <p:ext uri="{D42A27DB-BD31-4B8C-83A1-F6EECF244321}">
-                <p14:modId xmlns:p14="http://schemas.microsoft.com/office/powerpoint/2010/main" val="2883253573"/>
+                <p14:modId xmlns:p14="http://schemas.microsoft.com/office/powerpoint/2010/main" val="3103265668"/>
               </p:ext>
             </p:extLst>
           </p:nvPr>
         </p:nvGraphicFramePr>
         <p:xfrm>
-          <a:off x="6831098" y="1592934"/>
-          <a:ext cx="218875" cy="2929860"/>
+          <a:off x="6918804" y="1410345"/>
+          <a:ext cx="216024" cy="3185460"/>
         </p:xfrm>
         <a:graphic>
           <a:graphicData uri="http://schemas.openxmlformats.org/drawingml/2006/table">
@@ -6401,7 +6241,7 @@
                 <a:tableStyleId>{5C22544A-7EE6-4342-B048-85BDC9FD1C3A}</a:tableStyleId>
               </a:tblPr>
               <a:tblGrid>
-                <a:gridCol w="218875">
+                <a:gridCol w="216024">
                   <a:extLst>
                     <a:ext uri="{9D8B030D-6E8A-4147-A177-3AD203B41FA5}">
                       <a16:colId xmlns:a16="http://schemas.microsoft.com/office/drawing/2014/main" val="1822883521"/>
@@ -6441,7 +6281,7 @@
                   </a:ext>
                 </a:extLst>
               </a:tr>
-              <a:tr h="410400">
+              <a:tr h="252000">
                 <a:tc>
                   <a:txBody>
                     <a:bodyPr/>
@@ -6473,7 +6313,7 @@
                   </a:ext>
                 </a:extLst>
               </a:tr>
-              <a:tr h="252000">
+              <a:tr h="414000">
                 <a:tc>
                   <a:txBody>
                     <a:bodyPr/>
@@ -6758,6 +6598,38 @@
                 <a:extLst>
                   <a:ext uri="{0D108BD9-81ED-4DB2-BD59-A6C34878D82A}">
                     <a16:rowId xmlns:a16="http://schemas.microsoft.com/office/drawing/2014/main" val="1594151135"/>
+                  </a:ext>
+                </a:extLst>
+              </a:tr>
+              <a:tr h="252000">
+                <a:tc>
+                  <a:txBody>
+                    <a:bodyPr/>
+                    <a:lstStyle/>
+                    <a:p>
+                      <a:pPr algn="ctr"/>
+                      <a:r>
+                        <a:rPr kumimoji="1" lang="en-US" altLang="ja-JP" sz="1050" b="1" dirty="0">
+                          <a:latin typeface="メイリオ" panose="020B0604030504040204" pitchFamily="50" charset="-128"/>
+                          <a:ea typeface="メイリオ" panose="020B0604030504040204" pitchFamily="50" charset="-128"/>
+                        </a:rPr>
+                        <a:t>l</a:t>
+                      </a:r>
+                      <a:endParaRPr kumimoji="1" lang="ja-JP" altLang="en-US" sz="1050" b="1" dirty="0">
+                        <a:latin typeface="メイリオ" panose="020B0604030504040204" pitchFamily="50" charset="-128"/>
+                        <a:ea typeface="メイリオ" panose="020B0604030504040204" pitchFamily="50" charset="-128"/>
+                      </a:endParaRPr>
+                    </a:p>
+                  </a:txBody>
+                  <a:tcPr anchor="ctr">
+                    <a:solidFill>
+                      <a:srgbClr val="D999FD"/>
+                    </a:solidFill>
+                  </a:tcPr>
+                </a:tc>
+                <a:extLst>
+                  <a:ext uri="{0D108BD9-81ED-4DB2-BD59-A6C34878D82A}">
+                    <a16:rowId xmlns:a16="http://schemas.microsoft.com/office/drawing/2014/main" val="2785423433"/>
                   </a:ext>
                 </a:extLst>
               </a:tr>
@@ -10060,42 +9932,6 @@
           </a:prstGeom>
         </p:spPr>
       </p:pic>
-      <p:pic>
-        <p:nvPicPr>
-          <p:cNvPr id="8" name="図 7">
-            <a:extLst>
-              <a:ext uri="{FF2B5EF4-FFF2-40B4-BE49-F238E27FC236}">
-                <a16:creationId xmlns:a16="http://schemas.microsoft.com/office/drawing/2014/main" id="{108A4A51-6224-4479-81C1-D5436D9FCF13}"/>
-              </a:ext>
-            </a:extLst>
-          </p:cNvPr>
-          <p:cNvPicPr>
-            <a:picLocks noChangeAspect="1"/>
-          </p:cNvPicPr>
-          <p:nvPr/>
-        </p:nvPicPr>
-        <p:blipFill>
-          <a:blip r:embed="rId3">
-            <a:extLst>
-              <a:ext uri="{28A0092B-C50C-407E-A947-70E740481C1C}">
-                <a14:useLocalDpi xmlns:a14="http://schemas.microsoft.com/office/drawing/2010/main" val="0"/>
-              </a:ext>
-            </a:extLst>
-          </a:blip>
-          <a:stretch>
-            <a:fillRect/>
-          </a:stretch>
-        </p:blipFill>
-        <p:spPr>
-          <a:xfrm>
-            <a:off x="3941889" y="727749"/>
-            <a:ext cx="2679017" cy="5735788"/>
-          </a:xfrm>
-          <a:prstGeom prst="rect">
-            <a:avLst/>
-          </a:prstGeom>
-        </p:spPr>
-      </p:pic>
       <p:cxnSp>
         <p:nvCxnSpPr>
           <p:cNvPr id="33" name="直線コネクタ 32">
@@ -10110,7 +9946,7 @@
         </p:nvCxnSpPr>
         <p:spPr>
           <a:xfrm>
-            <a:off x="6815663" y="1597330"/>
+            <a:off x="6823308" y="1419911"/>
             <a:ext cx="441395" cy="0"/>
           </a:xfrm>
           <a:prstGeom prst="line">
@@ -10176,6 +10012,42 @@
           </a:fontRef>
         </p:style>
       </p:cxnSp>
+      <p:pic>
+        <p:nvPicPr>
+          <p:cNvPr id="38" name="図 37">
+            <a:extLst>
+              <a:ext uri="{FF2B5EF4-FFF2-40B4-BE49-F238E27FC236}">
+                <a16:creationId xmlns:a16="http://schemas.microsoft.com/office/drawing/2014/main" id="{3ACBE088-1D42-4505-BE30-2C44D6802F25}"/>
+              </a:ext>
+            </a:extLst>
+          </p:cNvPr>
+          <p:cNvPicPr>
+            <a:picLocks noChangeAspect="1"/>
+          </p:cNvPicPr>
+          <p:nvPr/>
+        </p:nvPicPr>
+        <p:blipFill>
+          <a:blip r:embed="rId3">
+            <a:extLst>
+              <a:ext uri="{28A0092B-C50C-407E-A947-70E740481C1C}">
+                <a14:useLocalDpi xmlns:a14="http://schemas.microsoft.com/office/drawing/2010/main" val="0"/>
+              </a:ext>
+            </a:extLst>
+          </a:blip>
+          <a:stretch>
+            <a:fillRect/>
+          </a:stretch>
+        </p:blipFill>
+        <p:spPr>
+          <a:xfrm>
+            <a:off x="3997518" y="714988"/>
+            <a:ext cx="2691314" cy="5807081"/>
+          </a:xfrm>
+          <a:prstGeom prst="rect">
+            <a:avLst/>
+          </a:prstGeom>
+        </p:spPr>
+      </p:pic>
     </p:spTree>
     <p:extLst>
       <p:ext uri="{BB962C8B-B14F-4D97-AF65-F5344CB8AC3E}">
